--- a/tt.pptx
+++ b/tt.pptx
@@ -899,52 +899,14 @@
       </p:pic>
       <p:sp>
         <p:nvSpPr>
-          <p:cNvPr id="6" name="Text 1"/>
-          <p:cNvSpPr/>
-          <p:nvPr/>
-        </p:nvSpPr>
-        <p:spPr>
-          <a:xfrm>
-            <a:off x="358191" y="439455"/>
-            <a:ext cx="8519109" cy="1332791"/>
-          </a:xfrm>
-          <a:prstGeom prst="rect">
-            <a:avLst/>
-          </a:prstGeom>
-          <a:noFill/>
-          <a:ln/>
-        </p:spPr>
-        <p:txBody>
-          <a:bodyPr wrap="square" rtlCol="0" anchor="t"/>
-          <a:lstStyle/>
-          <a:p>
-            <a:pPr marL="0" indent="0">
-              <a:lnSpc>
-                <a:spcPts val="8382"/>
-              </a:lnSpc>
-              <a:buNone/>
-            </a:pPr>
-            <a:r>
-              <a:rPr lang="en-US" dirty="0">
-                <a:solidFill>
-                  <a:schemeClr val="bg1"/>
-                </a:solidFill>
-              </a:rPr>
-              <a:t>title</a:t>
-            </a:r>
-          </a:p>
-        </p:txBody>
-      </p:sp>
-      <p:sp>
-        <p:nvSpPr>
           <p:cNvPr id="7" name="Text 2"/>
           <p:cNvSpPr/>
           <p:nvPr/>
         </p:nvSpPr>
         <p:spPr>
           <a:xfrm>
-            <a:off x="358191" y="3364983"/>
-            <a:ext cx="4471993" cy="4401762"/>
+            <a:off x="473336" y="3364983"/>
+            <a:ext cx="4216998" cy="4401762"/>
           </a:xfrm>
           <a:prstGeom prst="rect">
             <a:avLst/>
@@ -1036,7 +998,7 @@
         </p:nvSpPr>
         <p:spPr>
           <a:xfrm>
-            <a:off x="358191" y="2235101"/>
+            <a:off x="473336" y="1975837"/>
             <a:ext cx="3084256" cy="369332"/>
           </a:xfrm>
           <a:prstGeom prst="rect">
@@ -1063,6 +1025,41 @@
                 <a:schemeClr val="bg1"/>
               </a:solidFill>
             </a:endParaRPr>
+          </a:p>
+        </p:txBody>
+      </p:sp>
+      <p:sp>
+        <p:nvSpPr>
+          <p:cNvPr id="8" name="TextBox 7">
+            <a:extLst>
+              <a:ext uri="{FF2B5EF4-FFF2-40B4-BE49-F238E27FC236}">
+                <a16:creationId xmlns:a16="http://schemas.microsoft.com/office/drawing/2014/main" id="{713CEF38-C342-6CD2-5526-A63CAB1F5DA0}"/>
+              </a:ext>
+            </a:extLst>
+          </p:cNvPr>
+          <p:cNvSpPr txBox="1"/>
+          <p:nvPr/>
+        </p:nvSpPr>
+        <p:spPr>
+          <a:xfrm>
+            <a:off x="473336" y="591671"/>
+            <a:ext cx="8896575" cy="369332"/>
+          </a:xfrm>
+          <a:prstGeom prst="rect">
+            <a:avLst/>
+          </a:prstGeom>
+          <a:noFill/>
+        </p:spPr>
+        <p:txBody>
+          <a:bodyPr wrap="square" rtlCol="0">
+            <a:spAutoFit/>
+          </a:bodyPr>
+          <a:lstStyle/>
+          <a:p>
+            <a:r>
+              <a:rPr lang="en-IN" dirty="0"/>
+              <a:t>title</a:t>
+            </a:r>
           </a:p>
         </p:txBody>
       </p:sp>
@@ -1145,8 +1142,8 @@
         </p:nvSpPr>
         <p:spPr>
           <a:xfrm>
-            <a:off x="863798" y="262294"/>
-            <a:ext cx="8382953" cy="771287"/>
+            <a:off x="457022" y="262294"/>
+            <a:ext cx="8789730" cy="771287"/>
           </a:xfrm>
           <a:prstGeom prst="rect">
             <a:avLst/>
@@ -1183,8 +1180,8 @@
         </p:nvSpPr>
         <p:spPr>
           <a:xfrm>
-            <a:off x="863798" y="1172409"/>
-            <a:ext cx="12902803" cy="394811"/>
+            <a:off x="457020" y="1172409"/>
+            <a:ext cx="13309581" cy="394811"/>
           </a:xfrm>
           <a:prstGeom prst="rect">
             <a:avLst/>
@@ -1226,8 +1223,8 @@
         </p:nvSpPr>
         <p:spPr>
           <a:xfrm>
-            <a:off x="457021" y="2717808"/>
-            <a:ext cx="3085386" cy="385524"/>
+            <a:off x="457022" y="1872971"/>
+            <a:ext cx="4523770" cy="385524"/>
           </a:xfrm>
           <a:prstGeom prst="rect">
             <a:avLst/>
@@ -1264,8 +1261,8 @@
         </p:nvSpPr>
         <p:spPr>
           <a:xfrm>
-            <a:off x="457020" y="3253671"/>
-            <a:ext cx="4356997" cy="1051631"/>
+            <a:off x="457022" y="2376508"/>
+            <a:ext cx="4523771" cy="1991098"/>
           </a:xfrm>
           <a:prstGeom prst="rect">
             <a:avLst/>
@@ -1292,6 +1289,45 @@
               <a:t>txt</a:t>
             </a:r>
           </a:p>
+          <a:p>
+            <a:pPr marL="0" indent="0">
+              <a:lnSpc>
+                <a:spcPts val="3110"/>
+              </a:lnSpc>
+              <a:buNone/>
+            </a:pPr>
+            <a:endParaRPr lang="en-US" sz="1944" dirty="0">
+              <a:solidFill>
+                <a:schemeClr val="bg1"/>
+              </a:solidFill>
+            </a:endParaRPr>
+          </a:p>
+          <a:p>
+            <a:pPr marL="0" indent="0">
+              <a:lnSpc>
+                <a:spcPts val="3110"/>
+              </a:lnSpc>
+              <a:buNone/>
+            </a:pPr>
+            <a:endParaRPr lang="en-US" sz="1944" dirty="0">
+              <a:solidFill>
+                <a:schemeClr val="bg1"/>
+              </a:solidFill>
+            </a:endParaRPr>
+          </a:p>
+          <a:p>
+            <a:pPr marL="0" indent="0">
+              <a:lnSpc>
+                <a:spcPts val="3110"/>
+              </a:lnSpc>
+              <a:buNone/>
+            </a:pPr>
+            <a:endParaRPr lang="en-US" sz="1944" dirty="0">
+              <a:solidFill>
+                <a:schemeClr val="bg1"/>
+              </a:solidFill>
+            </a:endParaRPr>
+          </a:p>
         </p:txBody>
       </p:sp>
       <p:sp>
@@ -1308,8 +1344,8 @@
         </p:nvSpPr>
         <p:spPr>
           <a:xfrm>
-            <a:off x="5906693" y="1758840"/>
-            <a:ext cx="2253320" cy="1754326"/>
+            <a:off x="5799117" y="1676946"/>
+            <a:ext cx="2064723" cy="1754326"/>
           </a:xfrm>
           <a:prstGeom prst="rect">
             <a:avLst/>
@@ -1387,8 +1423,8 @@
         </p:nvSpPr>
         <p:spPr>
           <a:xfrm>
-            <a:off x="457021" y="5313748"/>
-            <a:ext cx="3085386" cy="385524"/>
+            <a:off x="457022" y="4909800"/>
+            <a:ext cx="4523771" cy="385524"/>
           </a:xfrm>
           <a:prstGeom prst="rect">
             <a:avLst/>
@@ -1431,8 +1467,8 @@
         </p:nvSpPr>
         <p:spPr>
           <a:xfrm>
-            <a:off x="457020" y="5849611"/>
-            <a:ext cx="4356997" cy="1051631"/>
+            <a:off x="457022" y="5485537"/>
+            <a:ext cx="4523771" cy="1051631"/>
           </a:xfrm>
           <a:prstGeom prst="rect">
             <a:avLst/>
@@ -1475,8 +1511,8 @@
         </p:nvSpPr>
         <p:spPr>
           <a:xfrm>
-            <a:off x="9852514" y="2717808"/>
-            <a:ext cx="3085386" cy="385524"/>
+            <a:off x="9852514" y="1872971"/>
+            <a:ext cx="4356996" cy="385524"/>
           </a:xfrm>
           <a:prstGeom prst="rect">
             <a:avLst/>
@@ -1519,8 +1555,8 @@
         </p:nvSpPr>
         <p:spPr>
           <a:xfrm>
-            <a:off x="9852513" y="3253671"/>
-            <a:ext cx="4356997" cy="1051631"/>
+            <a:off x="9852514" y="2413696"/>
+            <a:ext cx="4356997" cy="1891314"/>
           </a:xfrm>
           <a:prstGeom prst="rect">
             <a:avLst/>
@@ -1563,8 +1599,8 @@
         </p:nvSpPr>
         <p:spPr>
           <a:xfrm>
-            <a:off x="9852514" y="5295324"/>
-            <a:ext cx="3085386" cy="385524"/>
+            <a:off x="9852515" y="4370168"/>
+            <a:ext cx="4356996" cy="385524"/>
           </a:xfrm>
           <a:prstGeom prst="rect">
             <a:avLst/>
@@ -1607,8 +1643,8 @@
         </p:nvSpPr>
         <p:spPr>
           <a:xfrm>
-            <a:off x="9852513" y="5831187"/>
-            <a:ext cx="4356997" cy="1051631"/>
+            <a:off x="9852515" y="4909800"/>
+            <a:ext cx="4356997" cy="2118714"/>
           </a:xfrm>
           <a:prstGeom prst="rect">
             <a:avLst/>
@@ -1797,7 +1833,7 @@
         </p:nvSpPr>
         <p:spPr>
           <a:xfrm>
-            <a:off x="635675" y="2888615"/>
+            <a:off x="635675" y="2413621"/>
             <a:ext cx="505301" cy="505301"/>
           </a:xfrm>
           <a:prstGeom prst="roundRect">
@@ -1824,7 +1860,7 @@
         </p:nvSpPr>
         <p:spPr>
           <a:xfrm>
-            <a:off x="810816" y="2972792"/>
+            <a:off x="810816" y="2497798"/>
             <a:ext cx="154900" cy="336828"/>
           </a:xfrm>
           <a:prstGeom prst="rect">
@@ -1870,7 +1906,7 @@
         </p:nvSpPr>
         <p:spPr>
           <a:xfrm>
-            <a:off x="1365528" y="2888615"/>
+            <a:off x="1365528" y="2413621"/>
             <a:ext cx="2807256" cy="350877"/>
           </a:xfrm>
           <a:prstGeom prst="rect">
@@ -1908,8 +1944,8 @@
         </p:nvSpPr>
         <p:spPr>
           <a:xfrm>
-            <a:off x="1365528" y="3374151"/>
-            <a:ext cx="3473291" cy="1796058"/>
+            <a:off x="1365528" y="2899157"/>
+            <a:ext cx="3798143" cy="1796058"/>
           </a:xfrm>
           <a:prstGeom prst="rect">
             <a:avLst/>
@@ -1946,7 +1982,7 @@
         </p:nvSpPr>
         <p:spPr>
           <a:xfrm>
-            <a:off x="635675" y="5566015"/>
+            <a:off x="635675" y="5220799"/>
             <a:ext cx="505301" cy="505301"/>
           </a:xfrm>
           <a:prstGeom prst="roundRect">
@@ -1973,7 +2009,7 @@
         </p:nvSpPr>
         <p:spPr>
           <a:xfrm>
-            <a:off x="793671" y="5650192"/>
+            <a:off x="793671" y="5304976"/>
             <a:ext cx="189309" cy="336828"/>
           </a:xfrm>
           <a:prstGeom prst="rect">
@@ -2019,7 +2055,7 @@
         </p:nvSpPr>
         <p:spPr>
           <a:xfrm>
-            <a:off x="1365528" y="5566015"/>
+            <a:off x="1365528" y="5220799"/>
             <a:ext cx="2807256" cy="350877"/>
           </a:xfrm>
           <a:prstGeom prst="rect">
@@ -2057,8 +2093,8 @@
         </p:nvSpPr>
         <p:spPr>
           <a:xfrm>
-            <a:off x="1365528" y="6051551"/>
-            <a:ext cx="3473291" cy="1436846"/>
+            <a:off x="1365528" y="5706334"/>
+            <a:ext cx="4142387" cy="1796057"/>
           </a:xfrm>
           <a:prstGeom prst="rect">
             <a:avLst/>
@@ -2095,7 +2131,7 @@
         </p:nvSpPr>
         <p:spPr>
           <a:xfrm>
-            <a:off x="9987796" y="4360288"/>
+            <a:off x="9876493" y="3749884"/>
             <a:ext cx="505301" cy="505301"/>
           </a:xfrm>
           <a:prstGeom prst="roundRect">
@@ -2122,7 +2158,7 @@
         </p:nvSpPr>
         <p:spPr>
           <a:xfrm>
-            <a:off x="10146625" y="4444465"/>
+            <a:off x="10035322" y="3834061"/>
             <a:ext cx="187643" cy="336828"/>
           </a:xfrm>
           <a:prstGeom prst="rect">
@@ -2168,7 +2204,7 @@
         </p:nvSpPr>
         <p:spPr>
           <a:xfrm>
-            <a:off x="10717649" y="4360288"/>
+            <a:off x="10606346" y="3749884"/>
             <a:ext cx="2881789" cy="350877"/>
           </a:xfrm>
           <a:prstGeom prst="rect">
@@ -2206,8 +2242,8 @@
         </p:nvSpPr>
         <p:spPr>
           <a:xfrm>
-            <a:off x="10717649" y="4845824"/>
-            <a:ext cx="3473291" cy="1436846"/>
+            <a:off x="10606346" y="4235420"/>
+            <a:ext cx="3473291" cy="2652256"/>
           </a:xfrm>
           <a:prstGeom prst="rect">
             <a:avLst/>
@@ -2250,7 +2286,7 @@
         </p:nvSpPr>
         <p:spPr>
           <a:xfrm>
-            <a:off x="9563549" y="1312433"/>
+            <a:off x="9876493" y="524392"/>
             <a:ext cx="2807256" cy="2585323"/>
           </a:xfrm>
           <a:prstGeom prst="rect">

--- a/tt.pptx
+++ b/tt.pptx
@@ -905,8 +905,8 @@
         </p:nvSpPr>
         <p:spPr>
           <a:xfrm>
-            <a:off x="473336" y="3364983"/>
-            <a:ext cx="4216998" cy="4401762"/>
+            <a:off x="473335" y="3031541"/>
+            <a:ext cx="4679577" cy="1852431"/>
           </a:xfrm>
           <a:prstGeom prst="rect">
             <a:avLst/>
@@ -998,7 +998,7 @@
         </p:nvSpPr>
         <p:spPr>
           <a:xfrm>
-            <a:off x="473336" y="1975837"/>
+            <a:off x="473336" y="1791171"/>
             <a:ext cx="3084256" cy="369332"/>
           </a:xfrm>
           <a:prstGeom prst="rect">
@@ -1174,14 +1174,14 @@
       </p:sp>
       <p:sp>
         <p:nvSpPr>
-          <p:cNvPr id="5" name="Text 2"/>
+          <p:cNvPr id="7" name="Text 4"/>
           <p:cNvSpPr/>
           <p:nvPr/>
         </p:nvSpPr>
         <p:spPr>
           <a:xfrm>
-            <a:off x="457020" y="1172409"/>
-            <a:ext cx="13309581" cy="394811"/>
+            <a:off x="457022" y="2491763"/>
+            <a:ext cx="4523771" cy="689351"/>
           </a:xfrm>
           <a:prstGeom prst="rect">
             <a:avLst/>
@@ -1190,7 +1190,257 @@
           <a:ln/>
         </p:spPr>
         <p:txBody>
-          <a:bodyPr wrap="none" rtlCol="0" anchor="t"/>
+          <a:bodyPr wrap="square" rtlCol="0" anchor="t"/>
+          <a:lstStyle/>
+          <a:p>
+            <a:pPr marL="0" indent="0">
+              <a:lnSpc>
+                <a:spcPts val="3110"/>
+              </a:lnSpc>
+              <a:buNone/>
+            </a:pPr>
+            <a:r>
+              <a:rPr lang="en-US" sz="1944" dirty="0">
+                <a:solidFill>
+                  <a:schemeClr val="bg1"/>
+                </a:solidFill>
+              </a:rPr>
+              <a:t>txt</a:t>
+            </a:r>
+          </a:p>
+          <a:p>
+            <a:pPr marL="0" indent="0">
+              <a:lnSpc>
+                <a:spcPts val="3110"/>
+              </a:lnSpc>
+              <a:buNone/>
+            </a:pPr>
+            <a:endParaRPr lang="en-US" sz="1944" dirty="0">
+              <a:solidFill>
+                <a:schemeClr val="bg1"/>
+              </a:solidFill>
+            </a:endParaRPr>
+          </a:p>
+          <a:p>
+            <a:pPr marL="0" indent="0">
+              <a:lnSpc>
+                <a:spcPts val="3110"/>
+              </a:lnSpc>
+              <a:buNone/>
+            </a:pPr>
+            <a:endParaRPr lang="en-US" sz="1944" dirty="0">
+              <a:solidFill>
+                <a:schemeClr val="bg1"/>
+              </a:solidFill>
+            </a:endParaRPr>
+          </a:p>
+          <a:p>
+            <a:pPr marL="0" indent="0">
+              <a:lnSpc>
+                <a:spcPts val="3110"/>
+              </a:lnSpc>
+              <a:buNone/>
+            </a:pPr>
+            <a:endParaRPr lang="en-US" sz="1944" dirty="0">
+              <a:solidFill>
+                <a:schemeClr val="bg1"/>
+              </a:solidFill>
+            </a:endParaRPr>
+          </a:p>
+        </p:txBody>
+      </p:sp>
+      <p:sp>
+        <p:nvSpPr>
+          <p:cNvPr id="12" name="TextBox 11">
+            <a:extLst>
+              <a:ext uri="{FF2B5EF4-FFF2-40B4-BE49-F238E27FC236}">
+                <a16:creationId xmlns:a16="http://schemas.microsoft.com/office/drawing/2014/main" id="{E835B8CB-49DA-B0C3-AC18-6B6B5500D8B2}"/>
+              </a:ext>
+            </a:extLst>
+          </p:cNvPr>
+          <p:cNvSpPr txBox="1"/>
+          <p:nvPr/>
+        </p:nvSpPr>
+        <p:spPr>
+          <a:xfrm>
+            <a:off x="10980583" y="690057"/>
+            <a:ext cx="2064723" cy="1754326"/>
+          </a:xfrm>
+          <a:prstGeom prst="rect">
+            <a:avLst/>
+          </a:prstGeom>
+          <a:noFill/>
+        </p:spPr>
+        <p:txBody>
+          <a:bodyPr wrap="square" rtlCol="0">
+            <a:spAutoFit/>
+          </a:bodyPr>
+          <a:lstStyle/>
+          <a:p>
+            <a:r>
+              <a:rPr lang="en-IN" dirty="0" err="1">
+                <a:solidFill>
+                  <a:schemeClr val="bg1"/>
+                </a:solidFill>
+              </a:rPr>
+              <a:t>img</a:t>
+            </a:r>
+            <a:endParaRPr lang="en-IN" dirty="0">
+              <a:solidFill>
+                <a:schemeClr val="bg1"/>
+              </a:solidFill>
+            </a:endParaRPr>
+          </a:p>
+          <a:p>
+            <a:endParaRPr lang="en-IN" dirty="0">
+              <a:solidFill>
+                <a:schemeClr val="bg1"/>
+              </a:solidFill>
+            </a:endParaRPr>
+          </a:p>
+          <a:p>
+            <a:endParaRPr lang="en-IN" dirty="0">
+              <a:solidFill>
+                <a:schemeClr val="bg1"/>
+              </a:solidFill>
+            </a:endParaRPr>
+          </a:p>
+          <a:p>
+            <a:endParaRPr lang="en-IN" dirty="0">
+              <a:solidFill>
+                <a:schemeClr val="bg1"/>
+              </a:solidFill>
+            </a:endParaRPr>
+          </a:p>
+          <a:p>
+            <a:endParaRPr lang="en-IN" dirty="0">
+              <a:solidFill>
+                <a:schemeClr val="bg1"/>
+              </a:solidFill>
+            </a:endParaRPr>
+          </a:p>
+          <a:p>
+            <a:endParaRPr lang="en-IN" dirty="0">
+              <a:solidFill>
+                <a:schemeClr val="bg1"/>
+              </a:solidFill>
+            </a:endParaRPr>
+          </a:p>
+        </p:txBody>
+      </p:sp>
+      <p:sp>
+        <p:nvSpPr>
+          <p:cNvPr id="18" name="Text 4">
+            <a:extLst>
+              <a:ext uri="{FF2B5EF4-FFF2-40B4-BE49-F238E27FC236}">
+                <a16:creationId xmlns:a16="http://schemas.microsoft.com/office/drawing/2014/main" id="{EBDCCE90-0366-741A-1B75-D2C48B7EAAAC}"/>
+              </a:ext>
+            </a:extLst>
+          </p:cNvPr>
+          <p:cNvSpPr/>
+          <p:nvPr/>
+        </p:nvSpPr>
+        <p:spPr>
+          <a:xfrm>
+            <a:off x="457022" y="5485538"/>
+            <a:ext cx="4781952" cy="689351"/>
+          </a:xfrm>
+          <a:prstGeom prst="rect">
+            <a:avLst/>
+          </a:prstGeom>
+          <a:noFill/>
+          <a:ln/>
+        </p:spPr>
+        <p:txBody>
+          <a:bodyPr wrap="square" rtlCol="0" anchor="t"/>
+          <a:lstStyle/>
+          <a:p>
+            <a:pPr marL="0" indent="0">
+              <a:lnSpc>
+                <a:spcPts val="3110"/>
+              </a:lnSpc>
+              <a:buNone/>
+            </a:pPr>
+            <a:r>
+              <a:rPr lang="en-US" sz="1944" dirty="0">
+                <a:solidFill>
+                  <a:schemeClr val="bg1"/>
+                </a:solidFill>
+              </a:rPr>
+              <a:t>txt</a:t>
+            </a:r>
+          </a:p>
+        </p:txBody>
+      </p:sp>
+      <p:sp>
+        <p:nvSpPr>
+          <p:cNvPr id="22" name="Text 4">
+            <a:extLst>
+              <a:ext uri="{FF2B5EF4-FFF2-40B4-BE49-F238E27FC236}">
+                <a16:creationId xmlns:a16="http://schemas.microsoft.com/office/drawing/2014/main" id="{1F111499-4814-CBF1-C3EE-CBD77859E313}"/>
+              </a:ext>
+            </a:extLst>
+          </p:cNvPr>
+          <p:cNvSpPr/>
+          <p:nvPr/>
+        </p:nvSpPr>
+        <p:spPr>
+          <a:xfrm>
+            <a:off x="9852515" y="4496928"/>
+            <a:ext cx="4320861" cy="689351"/>
+          </a:xfrm>
+          <a:prstGeom prst="rect">
+            <a:avLst/>
+          </a:prstGeom>
+          <a:noFill/>
+          <a:ln/>
+        </p:spPr>
+        <p:txBody>
+          <a:bodyPr wrap="square" rtlCol="0" anchor="t"/>
+          <a:lstStyle/>
+          <a:p>
+            <a:pPr marL="0" indent="0">
+              <a:lnSpc>
+                <a:spcPts val="3110"/>
+              </a:lnSpc>
+              <a:buNone/>
+            </a:pPr>
+            <a:r>
+              <a:rPr lang="en-US" sz="1944" dirty="0">
+                <a:solidFill>
+                  <a:schemeClr val="bg1"/>
+                </a:solidFill>
+              </a:rPr>
+              <a:t>txt</a:t>
+            </a:r>
+          </a:p>
+        </p:txBody>
+      </p:sp>
+      <p:sp>
+        <p:nvSpPr>
+          <p:cNvPr id="8" name="Text 4">
+            <a:extLst>
+              <a:ext uri="{FF2B5EF4-FFF2-40B4-BE49-F238E27FC236}">
+                <a16:creationId xmlns:a16="http://schemas.microsoft.com/office/drawing/2014/main" id="{D631EF38-BDDB-9EA3-42F8-2D144D62149F}"/>
+              </a:ext>
+            </a:extLst>
+          </p:cNvPr>
+          <p:cNvSpPr/>
+          <p:nvPr/>
+        </p:nvSpPr>
+        <p:spPr>
+          <a:xfrm>
+            <a:off x="457022" y="5044181"/>
+            <a:ext cx="4781952" cy="452336"/>
+          </a:xfrm>
+          <a:prstGeom prst="rect">
+            <a:avLst/>
+          </a:prstGeom>
+          <a:noFill/>
+          <a:ln/>
+        </p:spPr>
+        <p:txBody>
+          <a:bodyPr wrap="square" rtlCol="0" anchor="t"/>
           <a:lstStyle/>
           <a:p>
             <a:pPr marL="0" indent="0">
@@ -1217,52 +1467,20 @@
       </p:sp>
       <p:sp>
         <p:nvSpPr>
-          <p:cNvPr id="6" name="Text 3"/>
+          <p:cNvPr id="9" name="Text 4">
+            <a:extLst>
+              <a:ext uri="{FF2B5EF4-FFF2-40B4-BE49-F238E27FC236}">
+                <a16:creationId xmlns:a16="http://schemas.microsoft.com/office/drawing/2014/main" id="{DF3D223B-BDBC-627A-5E06-4AEC7C165C28}"/>
+              </a:ext>
+            </a:extLst>
+          </p:cNvPr>
           <p:cNvSpPr/>
           <p:nvPr/>
         </p:nvSpPr>
         <p:spPr>
           <a:xfrm>
-            <a:off x="457022" y="1872971"/>
-            <a:ext cx="4523770" cy="385524"/>
-          </a:xfrm>
-          <a:prstGeom prst="rect">
-            <a:avLst/>
-          </a:prstGeom>
-          <a:noFill/>
-          <a:ln/>
-        </p:spPr>
-        <p:txBody>
-          <a:bodyPr wrap="none" rtlCol="0" anchor="t"/>
-          <a:lstStyle/>
-          <a:p>
-            <a:pPr marL="0" indent="0">
-              <a:lnSpc>
-                <a:spcPts val="3037"/>
-              </a:lnSpc>
-              <a:buNone/>
-            </a:pPr>
-            <a:r>
-              <a:rPr lang="en-US" dirty="0">
-                <a:solidFill>
-                  <a:schemeClr val="bg1"/>
-                </a:solidFill>
-              </a:rPr>
-              <a:t>txt</a:t>
-            </a:r>
-          </a:p>
-        </p:txBody>
-      </p:sp>
-      <p:sp>
-        <p:nvSpPr>
-          <p:cNvPr id="7" name="Text 4"/>
-          <p:cNvSpPr/>
-          <p:nvPr/>
-        </p:nvSpPr>
-        <p:spPr>
-          <a:xfrm>
-            <a:off x="457022" y="2376508"/>
-            <a:ext cx="4523771" cy="1991098"/>
+            <a:off x="9852515" y="4006792"/>
+            <a:ext cx="4046365" cy="489904"/>
           </a:xfrm>
           <a:prstGeom prst="rect">
             <a:avLst/>
@@ -1281,140 +1499,27 @@
               <a:buNone/>
             </a:pPr>
             <a:r>
-              <a:rPr lang="en-US" sz="1944" dirty="0">
+              <a:rPr lang="en-US" sz="1944" dirty="0" err="1">
                 <a:solidFill>
                   <a:schemeClr val="bg1"/>
                 </a:solidFill>
               </a:rPr>
-              <a:t>txt</a:t>
+              <a:t>stitle</a:t>
             </a:r>
-          </a:p>
-          <a:p>
-            <a:pPr marL="0" indent="0">
-              <a:lnSpc>
-                <a:spcPts val="3110"/>
-              </a:lnSpc>
-              <a:buNone/>
-            </a:pPr>
             <a:endParaRPr lang="en-US" sz="1944" dirty="0">
               <a:solidFill>
                 <a:schemeClr val="bg1"/>
               </a:solidFill>
             </a:endParaRPr>
           </a:p>
-          <a:p>
-            <a:pPr marL="0" indent="0">
-              <a:lnSpc>
-                <a:spcPts val="3110"/>
-              </a:lnSpc>
-              <a:buNone/>
-            </a:pPr>
-            <a:endParaRPr lang="en-US" sz="1944" dirty="0">
-              <a:solidFill>
-                <a:schemeClr val="bg1"/>
-              </a:solidFill>
-            </a:endParaRPr>
-          </a:p>
-          <a:p>
-            <a:pPr marL="0" indent="0">
-              <a:lnSpc>
-                <a:spcPts val="3110"/>
-              </a:lnSpc>
-              <a:buNone/>
-            </a:pPr>
-            <a:endParaRPr lang="en-US" sz="1944" dirty="0">
-              <a:solidFill>
-                <a:schemeClr val="bg1"/>
-              </a:solidFill>
-            </a:endParaRPr>
-          </a:p>
         </p:txBody>
       </p:sp>
       <p:sp>
         <p:nvSpPr>
-          <p:cNvPr id="12" name="TextBox 11">
+          <p:cNvPr id="10" name="Text 4">
             <a:extLst>
               <a:ext uri="{FF2B5EF4-FFF2-40B4-BE49-F238E27FC236}">
-                <a16:creationId xmlns:a16="http://schemas.microsoft.com/office/drawing/2014/main" id="{E835B8CB-49DA-B0C3-AC18-6B6B5500D8B2}"/>
-              </a:ext>
-            </a:extLst>
-          </p:cNvPr>
-          <p:cNvSpPr txBox="1"/>
-          <p:nvPr/>
-        </p:nvSpPr>
-        <p:spPr>
-          <a:xfrm>
-            <a:off x="5799117" y="1676946"/>
-            <a:ext cx="2064723" cy="1754326"/>
-          </a:xfrm>
-          <a:prstGeom prst="rect">
-            <a:avLst/>
-          </a:prstGeom>
-          <a:noFill/>
-        </p:spPr>
-        <p:txBody>
-          <a:bodyPr wrap="square" rtlCol="0">
-            <a:spAutoFit/>
-          </a:bodyPr>
-          <a:lstStyle/>
-          <a:p>
-            <a:r>
-              <a:rPr lang="en-IN" dirty="0" err="1">
-                <a:solidFill>
-                  <a:schemeClr val="bg1"/>
-                </a:solidFill>
-              </a:rPr>
-              <a:t>img</a:t>
-            </a:r>
-            <a:endParaRPr lang="en-IN" dirty="0">
-              <a:solidFill>
-                <a:schemeClr val="bg1"/>
-              </a:solidFill>
-            </a:endParaRPr>
-          </a:p>
-          <a:p>
-            <a:endParaRPr lang="en-IN" dirty="0">
-              <a:solidFill>
-                <a:schemeClr val="bg1"/>
-              </a:solidFill>
-            </a:endParaRPr>
-          </a:p>
-          <a:p>
-            <a:endParaRPr lang="en-IN" dirty="0">
-              <a:solidFill>
-                <a:schemeClr val="bg1"/>
-              </a:solidFill>
-            </a:endParaRPr>
-          </a:p>
-          <a:p>
-            <a:endParaRPr lang="en-IN" dirty="0">
-              <a:solidFill>
-                <a:schemeClr val="bg1"/>
-              </a:solidFill>
-            </a:endParaRPr>
-          </a:p>
-          <a:p>
-            <a:endParaRPr lang="en-IN" dirty="0">
-              <a:solidFill>
-                <a:schemeClr val="bg1"/>
-              </a:solidFill>
-            </a:endParaRPr>
-          </a:p>
-          <a:p>
-            <a:endParaRPr lang="en-IN" dirty="0">
-              <a:solidFill>
-                <a:schemeClr val="bg1"/>
-              </a:solidFill>
-            </a:endParaRPr>
-          </a:p>
-        </p:txBody>
-      </p:sp>
-      <p:sp>
-        <p:nvSpPr>
-          <p:cNvPr id="17" name="Text 3">
-            <a:extLst>
-              <a:ext uri="{FF2B5EF4-FFF2-40B4-BE49-F238E27FC236}">
-                <a16:creationId xmlns:a16="http://schemas.microsoft.com/office/drawing/2014/main" id="{4F9D1B3C-4B81-ACCB-479B-A9D6CC911B96}"/>
+                <a16:creationId xmlns:a16="http://schemas.microsoft.com/office/drawing/2014/main" id="{7E9518B8-4950-96A8-9602-7F8B17882EE8}"/>
               </a:ext>
             </a:extLst>
           </p:cNvPr>
@@ -1423,52 +1528,8 @@
         </p:nvSpPr>
         <p:spPr>
           <a:xfrm>
-            <a:off x="457022" y="4909800"/>
-            <a:ext cx="4523771" cy="385524"/>
-          </a:xfrm>
-          <a:prstGeom prst="rect">
-            <a:avLst/>
-          </a:prstGeom>
-          <a:noFill/>
-          <a:ln/>
-        </p:spPr>
-        <p:txBody>
-          <a:bodyPr wrap="none" rtlCol="0" anchor="t"/>
-          <a:lstStyle/>
-          <a:p>
-            <a:pPr marL="0" indent="0">
-              <a:lnSpc>
-                <a:spcPts val="3037"/>
-              </a:lnSpc>
-              <a:buNone/>
-            </a:pPr>
-            <a:r>
-              <a:rPr lang="en-US" sz="2429" dirty="0">
-                <a:solidFill>
-                  <a:schemeClr val="bg1"/>
-                </a:solidFill>
-              </a:rPr>
-              <a:t>txt</a:t>
-            </a:r>
-          </a:p>
-        </p:txBody>
-      </p:sp>
-      <p:sp>
-        <p:nvSpPr>
-          <p:cNvPr id="18" name="Text 4">
-            <a:extLst>
-              <a:ext uri="{FF2B5EF4-FFF2-40B4-BE49-F238E27FC236}">
-                <a16:creationId xmlns:a16="http://schemas.microsoft.com/office/drawing/2014/main" id="{EBDCCE90-0366-741A-1B75-D2C48B7EAAAC}"/>
-              </a:ext>
-            </a:extLst>
-          </p:cNvPr>
-          <p:cNvSpPr/>
-          <p:nvPr/>
-        </p:nvSpPr>
-        <p:spPr>
-          <a:xfrm>
-            <a:off x="457022" y="5485537"/>
-            <a:ext cx="4523771" cy="1051631"/>
+            <a:off x="457020" y="1992047"/>
+            <a:ext cx="4781952" cy="452336"/>
           </a:xfrm>
           <a:prstGeom prst="rect">
             <a:avLst/>
@@ -1487,189 +1548,18 @@
               <a:buNone/>
             </a:pPr>
             <a:r>
-              <a:rPr lang="en-US" sz="1944" dirty="0">
+              <a:rPr lang="en-US" sz="1944" dirty="0" err="1">
                 <a:solidFill>
                   <a:schemeClr val="bg1"/>
                 </a:solidFill>
               </a:rPr>
-              <a:t>txt</a:t>
+              <a:t>stitle</a:t>
             </a:r>
-          </a:p>
-        </p:txBody>
-      </p:sp>
-      <p:sp>
-        <p:nvSpPr>
-          <p:cNvPr id="19" name="Text 3">
-            <a:extLst>
-              <a:ext uri="{FF2B5EF4-FFF2-40B4-BE49-F238E27FC236}">
-                <a16:creationId xmlns:a16="http://schemas.microsoft.com/office/drawing/2014/main" id="{A03A7C3B-AB33-7ABC-DB9D-299900F8B78A}"/>
-              </a:ext>
-            </a:extLst>
-          </p:cNvPr>
-          <p:cNvSpPr/>
-          <p:nvPr/>
-        </p:nvSpPr>
-        <p:spPr>
-          <a:xfrm>
-            <a:off x="9852514" y="1872971"/>
-            <a:ext cx="4356996" cy="385524"/>
-          </a:xfrm>
-          <a:prstGeom prst="rect">
-            <a:avLst/>
-          </a:prstGeom>
-          <a:noFill/>
-          <a:ln/>
-        </p:spPr>
-        <p:txBody>
-          <a:bodyPr wrap="none" rtlCol="0" anchor="t"/>
-          <a:lstStyle/>
-          <a:p>
-            <a:pPr marL="0" indent="0">
-              <a:lnSpc>
-                <a:spcPts val="3037"/>
-              </a:lnSpc>
-              <a:buNone/>
-            </a:pPr>
-            <a:r>
-              <a:rPr lang="en-US" sz="2429" dirty="0">
-                <a:solidFill>
-                  <a:schemeClr val="bg1"/>
-                </a:solidFill>
-              </a:rPr>
-              <a:t>txt</a:t>
-            </a:r>
-          </a:p>
-        </p:txBody>
-      </p:sp>
-      <p:sp>
-        <p:nvSpPr>
-          <p:cNvPr id="20" name="Text 4">
-            <a:extLst>
-              <a:ext uri="{FF2B5EF4-FFF2-40B4-BE49-F238E27FC236}">
-                <a16:creationId xmlns:a16="http://schemas.microsoft.com/office/drawing/2014/main" id="{2D57D28B-6153-D48D-4765-C0172E613462}"/>
-              </a:ext>
-            </a:extLst>
-          </p:cNvPr>
-          <p:cNvSpPr/>
-          <p:nvPr/>
-        </p:nvSpPr>
-        <p:spPr>
-          <a:xfrm>
-            <a:off x="9852514" y="2413696"/>
-            <a:ext cx="4356997" cy="1891314"/>
-          </a:xfrm>
-          <a:prstGeom prst="rect">
-            <a:avLst/>
-          </a:prstGeom>
-          <a:noFill/>
-          <a:ln/>
-        </p:spPr>
-        <p:txBody>
-          <a:bodyPr wrap="square" rtlCol="0" anchor="t"/>
-          <a:lstStyle/>
-          <a:p>
-            <a:pPr marL="0" indent="0">
-              <a:lnSpc>
-                <a:spcPts val="3110"/>
-              </a:lnSpc>
-              <a:buNone/>
-            </a:pPr>
-            <a:r>
-              <a:rPr lang="en-US" sz="1944" dirty="0">
-                <a:solidFill>
-                  <a:schemeClr val="bg1"/>
-                </a:solidFill>
-              </a:rPr>
-              <a:t>txt</a:t>
-            </a:r>
-          </a:p>
-        </p:txBody>
-      </p:sp>
-      <p:sp>
-        <p:nvSpPr>
-          <p:cNvPr id="21" name="Text 3">
-            <a:extLst>
-              <a:ext uri="{FF2B5EF4-FFF2-40B4-BE49-F238E27FC236}">
-                <a16:creationId xmlns:a16="http://schemas.microsoft.com/office/drawing/2014/main" id="{9173B061-F20D-C55E-BF84-1552EF800B53}"/>
-              </a:ext>
-            </a:extLst>
-          </p:cNvPr>
-          <p:cNvSpPr/>
-          <p:nvPr/>
-        </p:nvSpPr>
-        <p:spPr>
-          <a:xfrm>
-            <a:off x="9852515" y="4370168"/>
-            <a:ext cx="4356996" cy="385524"/>
-          </a:xfrm>
-          <a:prstGeom prst="rect">
-            <a:avLst/>
-          </a:prstGeom>
-          <a:noFill/>
-          <a:ln/>
-        </p:spPr>
-        <p:txBody>
-          <a:bodyPr wrap="none" rtlCol="0" anchor="t"/>
-          <a:lstStyle/>
-          <a:p>
-            <a:pPr marL="0" indent="0">
-              <a:lnSpc>
-                <a:spcPts val="3037"/>
-              </a:lnSpc>
-              <a:buNone/>
-            </a:pPr>
-            <a:r>
-              <a:rPr lang="en-US" sz="2429" dirty="0">
-                <a:solidFill>
-                  <a:schemeClr val="bg1"/>
-                </a:solidFill>
-              </a:rPr>
-              <a:t>txt</a:t>
-            </a:r>
-          </a:p>
-        </p:txBody>
-      </p:sp>
-      <p:sp>
-        <p:nvSpPr>
-          <p:cNvPr id="22" name="Text 4">
-            <a:extLst>
-              <a:ext uri="{FF2B5EF4-FFF2-40B4-BE49-F238E27FC236}">
-                <a16:creationId xmlns:a16="http://schemas.microsoft.com/office/drawing/2014/main" id="{1F111499-4814-CBF1-C3EE-CBD77859E313}"/>
-              </a:ext>
-            </a:extLst>
-          </p:cNvPr>
-          <p:cNvSpPr/>
-          <p:nvPr/>
-        </p:nvSpPr>
-        <p:spPr>
-          <a:xfrm>
-            <a:off x="9852515" y="4909800"/>
-            <a:ext cx="4356997" cy="2118714"/>
-          </a:xfrm>
-          <a:prstGeom prst="rect">
-            <a:avLst/>
-          </a:prstGeom>
-          <a:noFill/>
-          <a:ln/>
-        </p:spPr>
-        <p:txBody>
-          <a:bodyPr wrap="square" rtlCol="0" anchor="t"/>
-          <a:lstStyle/>
-          <a:p>
-            <a:pPr marL="0" indent="0">
-              <a:lnSpc>
-                <a:spcPts val="3110"/>
-              </a:lnSpc>
-              <a:buNone/>
-            </a:pPr>
-            <a:r>
-              <a:rPr lang="en-US" sz="1944" dirty="0">
-                <a:solidFill>
-                  <a:schemeClr val="bg1"/>
-                </a:solidFill>
-              </a:rPr>
-              <a:t>txt</a:t>
-            </a:r>
+            <a:endParaRPr lang="en-US" sz="1944" dirty="0">
+              <a:solidFill>
+                <a:schemeClr val="bg1"/>
+              </a:solidFill>
+            </a:endParaRPr>
           </a:p>
         </p:txBody>
       </p:sp>
@@ -1753,7 +1643,7 @@
         <p:spPr>
           <a:xfrm>
             <a:off x="635676" y="373038"/>
-            <a:ext cx="7429474" cy="701873"/>
+            <a:ext cx="5496183" cy="701873"/>
           </a:xfrm>
           <a:prstGeom prst="rect">
             <a:avLst/>
@@ -1779,49 +1669,6 @@
               </a:rPr>
               <a:t>title</a:t>
             </a:r>
-          </a:p>
-        </p:txBody>
-      </p:sp>
-      <p:sp>
-        <p:nvSpPr>
-          <p:cNvPr id="7" name="Text 2"/>
-          <p:cNvSpPr/>
-          <p:nvPr/>
-        </p:nvSpPr>
-        <p:spPr>
-          <a:xfrm>
-            <a:off x="549614" y="1781823"/>
-            <a:ext cx="8777265" cy="795163"/>
-          </a:xfrm>
-          <a:prstGeom prst="rect">
-            <a:avLst/>
-          </a:prstGeom>
-          <a:noFill/>
-          <a:ln/>
-        </p:spPr>
-        <p:txBody>
-          <a:bodyPr wrap="none" rtlCol="0" anchor="t"/>
-          <a:lstStyle/>
-          <a:p>
-            <a:pPr marL="0" indent="0">
-              <a:lnSpc>
-                <a:spcPts val="2829"/>
-              </a:lnSpc>
-              <a:buNone/>
-            </a:pPr>
-            <a:r>
-              <a:rPr lang="en-US" sz="1768" dirty="0" err="1">
-                <a:solidFill>
-                  <a:schemeClr val="bg1"/>
-                </a:solidFill>
-              </a:rPr>
-              <a:t>stitle</a:t>
-            </a:r>
-            <a:endParaRPr lang="en-US" sz="1768" dirty="0">
-              <a:solidFill>
-                <a:schemeClr val="bg1"/>
-              </a:solidFill>
-            </a:endParaRPr>
           </a:p>
         </p:txBody>
       </p:sp>
@@ -1900,52 +1747,14 @@
       </p:sp>
       <p:sp>
         <p:nvSpPr>
-          <p:cNvPr id="10" name="Text 5"/>
-          <p:cNvSpPr/>
-          <p:nvPr/>
-        </p:nvSpPr>
-        <p:spPr>
-          <a:xfrm>
-            <a:off x="1365528" y="2413621"/>
-            <a:ext cx="2807256" cy="350877"/>
-          </a:xfrm>
-          <a:prstGeom prst="rect">
-            <a:avLst/>
-          </a:prstGeom>
-          <a:noFill/>
-          <a:ln/>
-        </p:spPr>
-        <p:txBody>
-          <a:bodyPr wrap="none" rtlCol="0" anchor="t"/>
-          <a:lstStyle/>
-          <a:p>
-            <a:pPr marL="0" indent="0">
-              <a:lnSpc>
-                <a:spcPts val="2763"/>
-              </a:lnSpc>
-              <a:buNone/>
-            </a:pPr>
-            <a:r>
-              <a:rPr lang="en-US" sz="2210" dirty="0">
-                <a:solidFill>
-                  <a:schemeClr val="bg1"/>
-                </a:solidFill>
-              </a:rPr>
-              <a:t>txt</a:t>
-            </a:r>
-          </a:p>
-        </p:txBody>
-      </p:sp>
-      <p:sp>
-        <p:nvSpPr>
           <p:cNvPr id="11" name="Text 6"/>
           <p:cNvSpPr/>
           <p:nvPr/>
         </p:nvSpPr>
         <p:spPr>
           <a:xfrm>
-            <a:off x="1365528" y="2899157"/>
-            <a:ext cx="3798143" cy="1796058"/>
+            <a:off x="1365529" y="2929832"/>
+            <a:ext cx="4088598" cy="632055"/>
           </a:xfrm>
           <a:prstGeom prst="rect">
             <a:avLst/>
@@ -2049,52 +1858,14 @@
       </p:sp>
       <p:sp>
         <p:nvSpPr>
-          <p:cNvPr id="14" name="Text 9"/>
-          <p:cNvSpPr/>
-          <p:nvPr/>
-        </p:nvSpPr>
-        <p:spPr>
-          <a:xfrm>
-            <a:off x="1365528" y="5220799"/>
-            <a:ext cx="2807256" cy="350877"/>
-          </a:xfrm>
-          <a:prstGeom prst="rect">
-            <a:avLst/>
-          </a:prstGeom>
-          <a:noFill/>
-          <a:ln/>
-        </p:spPr>
-        <p:txBody>
-          <a:bodyPr wrap="none" rtlCol="0" anchor="t"/>
-          <a:lstStyle/>
-          <a:p>
-            <a:pPr marL="0" indent="0">
-              <a:lnSpc>
-                <a:spcPts val="2763"/>
-              </a:lnSpc>
-              <a:buNone/>
-            </a:pPr>
-            <a:r>
-              <a:rPr lang="en-US" sz="2210" dirty="0">
-                <a:solidFill>
-                  <a:schemeClr val="bg1"/>
-                </a:solidFill>
-              </a:rPr>
-              <a:t>txt</a:t>
-            </a:r>
-          </a:p>
-        </p:txBody>
-      </p:sp>
-      <p:sp>
-        <p:nvSpPr>
           <p:cNvPr id="15" name="Text 10"/>
           <p:cNvSpPr/>
           <p:nvPr/>
         </p:nvSpPr>
         <p:spPr>
           <a:xfrm>
-            <a:off x="1365528" y="5706334"/>
-            <a:ext cx="4142387" cy="1796057"/>
+            <a:off x="1365529" y="5761950"/>
+            <a:ext cx="4088598" cy="632055"/>
           </a:xfrm>
           <a:prstGeom prst="rect">
             <a:avLst/>
@@ -2198,52 +1969,14 @@
       </p:sp>
       <p:sp>
         <p:nvSpPr>
-          <p:cNvPr id="18" name="Text 13"/>
-          <p:cNvSpPr/>
-          <p:nvPr/>
-        </p:nvSpPr>
-        <p:spPr>
-          <a:xfrm>
-            <a:off x="10606346" y="3749884"/>
-            <a:ext cx="2881789" cy="350877"/>
-          </a:xfrm>
-          <a:prstGeom prst="rect">
-            <a:avLst/>
-          </a:prstGeom>
-          <a:noFill/>
-          <a:ln/>
-        </p:spPr>
-        <p:txBody>
-          <a:bodyPr wrap="none" rtlCol="0" anchor="t"/>
-          <a:lstStyle/>
-          <a:p>
-            <a:pPr marL="0" indent="0">
-              <a:lnSpc>
-                <a:spcPts val="2763"/>
-              </a:lnSpc>
-              <a:buNone/>
-            </a:pPr>
-            <a:r>
-              <a:rPr lang="en-US" sz="2210" dirty="0">
-                <a:solidFill>
-                  <a:schemeClr val="bg1"/>
-                </a:solidFill>
-              </a:rPr>
-              <a:t>txt</a:t>
-            </a:r>
-          </a:p>
-        </p:txBody>
-      </p:sp>
-      <p:sp>
-        <p:nvSpPr>
           <p:cNvPr id="19" name="Text 14"/>
           <p:cNvSpPr/>
           <p:nvPr/>
         </p:nvSpPr>
         <p:spPr>
           <a:xfrm>
-            <a:off x="10606346" y="4235420"/>
-            <a:ext cx="3473291" cy="2652256"/>
+            <a:off x="10606346" y="4255185"/>
+            <a:ext cx="3641913" cy="1204887"/>
           </a:xfrm>
           <a:prstGeom prst="rect">
             <a:avLst/>
@@ -2286,7 +2019,7 @@
         </p:nvSpPr>
         <p:spPr>
           <a:xfrm>
-            <a:off x="9876493" y="524392"/>
+            <a:off x="11441003" y="386249"/>
             <a:ext cx="2807256" cy="2585323"/>
           </a:xfrm>
           <a:prstGeom prst="rect">
@@ -2365,6 +2098,153 @@
           </a:p>
           <a:p>
             <a:endParaRPr lang="en-IN" dirty="0">
+              <a:solidFill>
+                <a:schemeClr val="bg1"/>
+              </a:solidFill>
+            </a:endParaRPr>
+          </a:p>
+        </p:txBody>
+      </p:sp>
+      <p:sp>
+        <p:nvSpPr>
+          <p:cNvPr id="5" name="Text 6">
+            <a:extLst>
+              <a:ext uri="{FF2B5EF4-FFF2-40B4-BE49-F238E27FC236}">
+                <a16:creationId xmlns:a16="http://schemas.microsoft.com/office/drawing/2014/main" id="{779B5A35-41A8-FDA9-0D8B-3A8EC5D41BB7}"/>
+              </a:ext>
+            </a:extLst>
+          </p:cNvPr>
+          <p:cNvSpPr/>
+          <p:nvPr/>
+        </p:nvSpPr>
+        <p:spPr>
+          <a:xfrm>
+            <a:off x="1365528" y="2362661"/>
+            <a:ext cx="4088598" cy="471965"/>
+          </a:xfrm>
+          <a:prstGeom prst="rect">
+            <a:avLst/>
+          </a:prstGeom>
+          <a:noFill/>
+          <a:ln/>
+        </p:spPr>
+        <p:txBody>
+          <a:bodyPr wrap="square" rtlCol="0" anchor="t"/>
+          <a:lstStyle/>
+          <a:p>
+            <a:pPr marL="0" indent="0">
+              <a:lnSpc>
+                <a:spcPts val="2829"/>
+              </a:lnSpc>
+              <a:buNone/>
+            </a:pPr>
+            <a:r>
+              <a:rPr lang="en-US" sz="1768" dirty="0" err="1">
+                <a:solidFill>
+                  <a:schemeClr val="bg1"/>
+                </a:solidFill>
+              </a:rPr>
+              <a:t>stitle</a:t>
+            </a:r>
+            <a:endParaRPr lang="en-US" sz="1768" dirty="0">
+              <a:solidFill>
+                <a:schemeClr val="bg1"/>
+              </a:solidFill>
+            </a:endParaRPr>
+          </a:p>
+        </p:txBody>
+      </p:sp>
+      <p:sp>
+        <p:nvSpPr>
+          <p:cNvPr id="20" name="Text 10">
+            <a:extLst>
+              <a:ext uri="{FF2B5EF4-FFF2-40B4-BE49-F238E27FC236}">
+                <a16:creationId xmlns:a16="http://schemas.microsoft.com/office/drawing/2014/main" id="{F4D08EBD-2904-3BF5-4A2E-9F368E388457}"/>
+              </a:ext>
+            </a:extLst>
+          </p:cNvPr>
+          <p:cNvSpPr/>
+          <p:nvPr/>
+        </p:nvSpPr>
+        <p:spPr>
+          <a:xfrm>
+            <a:off x="1365529" y="5270651"/>
+            <a:ext cx="4088598" cy="455450"/>
+          </a:xfrm>
+          <a:prstGeom prst="rect">
+            <a:avLst/>
+          </a:prstGeom>
+          <a:noFill/>
+          <a:ln/>
+        </p:spPr>
+        <p:txBody>
+          <a:bodyPr wrap="square" rtlCol="0" anchor="t"/>
+          <a:lstStyle/>
+          <a:p>
+            <a:pPr marL="0" indent="0">
+              <a:lnSpc>
+                <a:spcPts val="2829"/>
+              </a:lnSpc>
+              <a:buNone/>
+            </a:pPr>
+            <a:r>
+              <a:rPr lang="en-US" sz="1768" dirty="0" err="1">
+                <a:solidFill>
+                  <a:schemeClr val="bg1"/>
+                </a:solidFill>
+              </a:rPr>
+              <a:t>stitle</a:t>
+            </a:r>
+            <a:endParaRPr lang="en-US" sz="1768" dirty="0">
+              <a:solidFill>
+                <a:schemeClr val="bg1"/>
+              </a:solidFill>
+            </a:endParaRPr>
+          </a:p>
+        </p:txBody>
+      </p:sp>
+      <p:sp>
+        <p:nvSpPr>
+          <p:cNvPr id="21" name="Text 10">
+            <a:extLst>
+              <a:ext uri="{FF2B5EF4-FFF2-40B4-BE49-F238E27FC236}">
+                <a16:creationId xmlns:a16="http://schemas.microsoft.com/office/drawing/2014/main" id="{461A87A7-48B8-CF25-68A3-EDEFD6448F8D}"/>
+              </a:ext>
+            </a:extLst>
+          </p:cNvPr>
+          <p:cNvSpPr/>
+          <p:nvPr/>
+        </p:nvSpPr>
+        <p:spPr>
+          <a:xfrm>
+            <a:off x="10606346" y="3768618"/>
+            <a:ext cx="3641913" cy="402272"/>
+          </a:xfrm>
+          <a:prstGeom prst="rect">
+            <a:avLst/>
+          </a:prstGeom>
+          <a:noFill/>
+          <a:ln/>
+        </p:spPr>
+        <p:txBody>
+          <a:bodyPr wrap="square" rtlCol="0" anchor="t"/>
+          <a:lstStyle/>
+          <a:p>
+            <a:pPr marL="0" indent="0">
+              <a:lnSpc>
+                <a:spcPts val="2829"/>
+              </a:lnSpc>
+              <a:buNone/>
+            </a:pPr>
+            <a:r>
+              <a:rPr lang="en-US" sz="1768" dirty="0" err="1">
+                <a:solidFill>
+                  <a:schemeClr val="bg1"/>
+                </a:solidFill>
+              </a:rPr>
+              <a:t>stitle</a:t>
+            </a:r>
+            <a:endParaRPr lang="en-US" sz="1768" dirty="0">
               <a:solidFill>
                 <a:schemeClr val="bg1"/>
               </a:solidFill>
